--- a/gen_vs_accuracy/block_diagrams.pptx
+++ b/gen_vs_accuracy/block_diagrams.pptx
@@ -104,6 +104,22 @@
       </a:defRPr>
     </a:lvl9pPr>
   </p:defaultTextStyle>
+  <p:extLst>
+    <p:ext uri="{EFAFB233-063F-42B5-8137-9DF3F51BA10A}">
+      <p15:sldGuideLst xmlns:p15="http://schemas.microsoft.com/office/powerpoint/2012/main">
+        <p15:guide id="1" orient="horz" pos="2160">
+          <p15:clr>
+            <a:srgbClr val="A4A3A4"/>
+          </p15:clr>
+        </p15:guide>
+        <p15:guide id="2" pos="2880">
+          <p15:clr>
+            <a:srgbClr val="A4A3A4"/>
+          </p15:clr>
+        </p15:guide>
+      </p15:sldGuideLst>
+    </p:ext>
+  </p:extLst>
 </p:presentation>
 </file>
 
@@ -288,7 +304,7 @@
           <a:p>
             <a:fld id="{CB2EEC02-3A26-4442-87BE-49C9CEF46899}" type="datetimeFigureOut">
               <a:rPr lang="en-US" smtClean="0"/>
-              <a:t>16-02-04</a:t>
+              <a:t>2/7/16</a:t>
             </a:fld>
             <a:endParaRPr lang="en-US"/>
           </a:p>
@@ -458,7 +474,7 @@
           <a:p>
             <a:fld id="{CB2EEC02-3A26-4442-87BE-49C9CEF46899}" type="datetimeFigureOut">
               <a:rPr lang="en-US" smtClean="0"/>
-              <a:t>16-02-04</a:t>
+              <a:t>2/7/16</a:t>
             </a:fld>
             <a:endParaRPr lang="en-US"/>
           </a:p>
@@ -638,7 +654,7 @@
           <a:p>
             <a:fld id="{CB2EEC02-3A26-4442-87BE-49C9CEF46899}" type="datetimeFigureOut">
               <a:rPr lang="en-US" smtClean="0"/>
-              <a:t>16-02-04</a:t>
+              <a:t>2/7/16</a:t>
             </a:fld>
             <a:endParaRPr lang="en-US"/>
           </a:p>
@@ -808,7 +824,7 @@
           <a:p>
             <a:fld id="{CB2EEC02-3A26-4442-87BE-49C9CEF46899}" type="datetimeFigureOut">
               <a:rPr lang="en-US" smtClean="0"/>
-              <a:t>16-02-04</a:t>
+              <a:t>2/7/16</a:t>
             </a:fld>
             <a:endParaRPr lang="en-US"/>
           </a:p>
@@ -1054,7 +1070,7 @@
           <a:p>
             <a:fld id="{CB2EEC02-3A26-4442-87BE-49C9CEF46899}" type="datetimeFigureOut">
               <a:rPr lang="en-US" smtClean="0"/>
-              <a:t>16-02-04</a:t>
+              <a:t>2/7/16</a:t>
             </a:fld>
             <a:endParaRPr lang="en-US"/>
           </a:p>
@@ -1342,7 +1358,7 @@
           <a:p>
             <a:fld id="{CB2EEC02-3A26-4442-87BE-49C9CEF46899}" type="datetimeFigureOut">
               <a:rPr lang="en-US" smtClean="0"/>
-              <a:t>16-02-04</a:t>
+              <a:t>2/7/16</a:t>
             </a:fld>
             <a:endParaRPr lang="en-US"/>
           </a:p>
@@ -1764,7 +1780,7 @@
           <a:p>
             <a:fld id="{CB2EEC02-3A26-4442-87BE-49C9CEF46899}" type="datetimeFigureOut">
               <a:rPr lang="en-US" smtClean="0"/>
-              <a:t>16-02-04</a:t>
+              <a:t>2/7/16</a:t>
             </a:fld>
             <a:endParaRPr lang="en-US"/>
           </a:p>
@@ -1882,7 +1898,7 @@
           <a:p>
             <a:fld id="{CB2EEC02-3A26-4442-87BE-49C9CEF46899}" type="datetimeFigureOut">
               <a:rPr lang="en-US" smtClean="0"/>
-              <a:t>16-02-04</a:t>
+              <a:t>2/7/16</a:t>
             </a:fld>
             <a:endParaRPr lang="en-US"/>
           </a:p>
@@ -1977,7 +1993,7 @@
           <a:p>
             <a:fld id="{CB2EEC02-3A26-4442-87BE-49C9CEF46899}" type="datetimeFigureOut">
               <a:rPr lang="en-US" smtClean="0"/>
-              <a:t>16-02-04</a:t>
+              <a:t>2/7/16</a:t>
             </a:fld>
             <a:endParaRPr lang="en-US"/>
           </a:p>
@@ -2254,7 +2270,7 @@
           <a:p>
             <a:fld id="{CB2EEC02-3A26-4442-87BE-49C9CEF46899}" type="datetimeFigureOut">
               <a:rPr lang="en-US" smtClean="0"/>
-              <a:t>16-02-04</a:t>
+              <a:t>2/7/16</a:t>
             </a:fld>
             <a:endParaRPr lang="en-US"/>
           </a:p>
@@ -2507,7 +2523,7 @@
           <a:p>
             <a:fld id="{CB2EEC02-3A26-4442-87BE-49C9CEF46899}" type="datetimeFigureOut">
               <a:rPr lang="en-US" smtClean="0"/>
-              <a:t>16-02-04</a:t>
+              <a:t>2/7/16</a:t>
             </a:fld>
             <a:endParaRPr lang="en-US"/>
           </a:p>
@@ -2720,7 +2736,7 @@
           <a:p>
             <a:fld id="{CB2EEC02-3A26-4442-87BE-49C9CEF46899}" type="datetimeFigureOut">
               <a:rPr lang="en-US" smtClean="0"/>
-              <a:t>16-02-04</a:t>
+              <a:t>2/7/16</a:t>
             </a:fld>
             <a:endParaRPr lang="en-US"/>
           </a:p>
@@ -3487,20 +3503,20 @@
           <p:nvPr>
             <p:extLst>
               <p:ext uri="{D42A27DB-BD31-4B8C-83A1-F6EECF244321}">
-                <p14:modId xmlns:p14="http://schemas.microsoft.com/office/powerpoint/2010/main" val="174010940"/>
+                <p14:modId xmlns:p14="http://schemas.microsoft.com/office/powerpoint/2010/main" val="760313750"/>
               </p:ext>
             </p:extLst>
           </p:nvPr>
         </p:nvGraphicFramePr>
         <p:xfrm>
-          <a:off x="2818080" y="1746056"/>
+          <a:off x="2437937" y="1746056"/>
           <a:ext cx="184599" cy="255599"/>
         </p:xfrm>
         <a:graphic>
           <a:graphicData uri="http://schemas.openxmlformats.org/presentationml/2006/ole">
             <mc:AlternateContent xmlns:mc="http://schemas.openxmlformats.org/markup-compatibility/2006">
               <mc:Choice xmlns:v="urn:schemas-microsoft-com:vml" Requires="v">
-                <p:oleObj spid="_x0000_s1053" name="Equation" r:id="rId3" imgW="165100" imgH="228600" progId="Equation.3">
+                <p:oleObj spid="_x0000_s1072" name="Equation" r:id="rId3" imgW="165100" imgH="228600" progId="Equation.3">
                   <p:embed/>
                 </p:oleObj>
               </mc:Choice>
@@ -3521,7 +3537,7 @@
                     </p:blipFill>
                     <p:spPr>
                       <a:xfrm>
-                        <a:off x="2818080" y="1746056"/>
+                        <a:off x="2437937" y="1746056"/>
                         <a:ext cx="184599" cy="255599"/>
                       </a:xfrm>
                       <a:prstGeom prst="rect">
@@ -3584,20 +3600,20 @@
           <p:nvPr>
             <p:extLst>
               <p:ext uri="{D42A27DB-BD31-4B8C-83A1-F6EECF244321}">
-                <p14:modId xmlns:p14="http://schemas.microsoft.com/office/powerpoint/2010/main" val="254184606"/>
+                <p14:modId xmlns:p14="http://schemas.microsoft.com/office/powerpoint/2010/main" val="356426808"/>
               </p:ext>
             </p:extLst>
           </p:nvPr>
         </p:nvGraphicFramePr>
         <p:xfrm>
-          <a:off x="2843738" y="3696774"/>
+          <a:off x="2458799" y="3696774"/>
           <a:ext cx="142875" cy="184150"/>
         </p:xfrm>
         <a:graphic>
           <a:graphicData uri="http://schemas.openxmlformats.org/presentationml/2006/ole">
             <mc:AlternateContent xmlns:mc="http://schemas.openxmlformats.org/markup-compatibility/2006">
               <mc:Choice xmlns:v="urn:schemas-microsoft-com:vml" Requires="v">
-                <p:oleObj spid="_x0000_s1054" name="Equation" r:id="rId5" imgW="127000" imgH="165100" progId="Equation.3">
+                <p:oleObj spid="_x0000_s1073" name="Equation" r:id="rId5" imgW="127000" imgH="165100" progId="Equation.3">
                   <p:embed/>
                 </p:oleObj>
               </mc:Choice>
@@ -3618,7 +3634,7 @@
                     </p:blipFill>
                     <p:spPr>
                       <a:xfrm>
-                        <a:off x="2843738" y="3696774"/>
+                        <a:off x="2458799" y="3696774"/>
                         <a:ext cx="142875" cy="184150"/>
                       </a:xfrm>
                       <a:prstGeom prst="rect">
@@ -3735,20 +3751,20 @@
           <p:nvPr>
             <p:extLst>
               <p:ext uri="{D42A27DB-BD31-4B8C-83A1-F6EECF244321}">
-                <p14:modId xmlns:p14="http://schemas.microsoft.com/office/powerpoint/2010/main" val="3415335733"/>
+                <p14:modId xmlns:p14="http://schemas.microsoft.com/office/powerpoint/2010/main" val="1477171087"/>
               </p:ext>
             </p:extLst>
           </p:nvPr>
         </p:nvGraphicFramePr>
         <p:xfrm>
-          <a:off x="2818080" y="2723554"/>
+          <a:off x="2437937" y="2723554"/>
           <a:ext cx="184599" cy="255599"/>
         </p:xfrm>
         <a:graphic>
           <a:graphicData uri="http://schemas.openxmlformats.org/presentationml/2006/ole">
             <mc:AlternateContent xmlns:mc="http://schemas.openxmlformats.org/markup-compatibility/2006">
               <mc:Choice xmlns:v="urn:schemas-microsoft-com:vml" Requires="v">
-                <p:oleObj spid="_x0000_s1055" name="Equation" r:id="rId7" imgW="165100" imgH="228600" progId="Equation.3">
+                <p:oleObj spid="_x0000_s1074" name="Equation" r:id="rId7" imgW="165100" imgH="228600" progId="Equation.3">
                   <p:embed/>
                 </p:oleObj>
               </mc:Choice>
@@ -3769,7 +3785,7 @@
                     </p:blipFill>
                     <p:spPr>
                       <a:xfrm>
-                        <a:off x="2818080" y="2723554"/>
+                        <a:off x="2437937" y="2723554"/>
                         <a:ext cx="184599" cy="255599"/>
                       </a:xfrm>
                       <a:prstGeom prst="rect">
@@ -3988,7 +4004,7 @@
           <a:graphicData uri="http://schemas.openxmlformats.org/presentationml/2006/ole">
             <mc:AlternateContent xmlns:mc="http://schemas.openxmlformats.org/markup-compatibility/2006">
               <mc:Choice xmlns:v="urn:schemas-microsoft-com:vml" Requires="v">
-                <p:oleObj spid="_x0000_s1056" name="Equation" r:id="rId9" imgW="355600" imgH="203200" progId="Equation.3">
+                <p:oleObj spid="_x0000_s1075" name="Equation" r:id="rId9" imgW="355600" imgH="203200" progId="Equation.3">
                   <p:embed/>
                 </p:oleObj>
               </mc:Choice>
@@ -4011,6 +4027,205 @@
                       <a:xfrm>
                         <a:off x="1339632" y="4457853"/>
                         <a:ext cx="400050" cy="225425"/>
+                      </a:xfrm>
+                      <a:prstGeom prst="rect">
+                        <a:avLst/>
+                      </a:prstGeom>
+                    </p:spPr>
+                  </p:pic>
+                </p:oleObj>
+              </mc:Fallback>
+            </mc:AlternateContent>
+          </a:graphicData>
+        </a:graphic>
+      </p:graphicFrame>
+      <mc:AlternateContent xmlns:mc="http://schemas.openxmlformats.org/markup-compatibility/2006">
+        <mc:Choice xmlns:a14="http://schemas.microsoft.com/office/drawing/2010/main" Requires="a14">
+          <p:sp>
+            <p:nvSpPr>
+              <p:cNvPr id="3" name="TextBox 2"/>
+              <p:cNvSpPr txBox="1">
+                <a:spLocks noChangeAspect="1"/>
+              </p:cNvSpPr>
+              <p:nvPr/>
+            </p:nvSpPr>
+            <p:spPr>
+              <a:xfrm>
+                <a:off x="2458236" y="640245"/>
+                <a:ext cx="144000" cy="184666"/>
+              </a:xfrm>
+              <a:prstGeom prst="rect">
+                <a:avLst/>
+              </a:prstGeom>
+              <a:noFill/>
+            </p:spPr>
+            <p:txBody>
+              <a:bodyPr wrap="square" lIns="0" tIns="0" rIns="0" bIns="0" rtlCol="0">
+                <a:spAutoFit/>
+              </a:bodyPr>
+              <a:lstStyle/>
+              <a:p>
+                <a14:m>
+                  <m:oMathPara xmlns:m="http://schemas.openxmlformats.org/officeDocument/2006/math">
+                    <m:oMathParaPr>
+                      <m:jc m:val="centerGroup"/>
+                    </m:oMathParaPr>
+                    <m:oMath xmlns:m="http://schemas.openxmlformats.org/officeDocument/2006/math">
+                      <m:r>
+                        <a:rPr lang="en-CA" sz="1200" b="0" i="1" smtClean="0">
+                          <a:latin typeface="Cambria Math" charset="0"/>
+                        </a:rPr>
+                        <m:t>𝑥</m:t>
+                      </m:r>
+                    </m:oMath>
+                  </m:oMathPara>
+                </a14:m>
+                <a:endParaRPr lang="en-US" sz="1200" dirty="0"/>
+              </a:p>
+            </p:txBody>
+          </p:sp>
+        </mc:Choice>
+        <mc:Fallback>
+          <p:sp>
+            <p:nvSpPr>
+              <p:cNvPr id="3" name="TextBox 2"/>
+              <p:cNvSpPr txBox="1">
+                <a:spLocks noRot="1" noChangeAspect="1" noMove="1" noResize="1" noEditPoints="1" noAdjustHandles="1" noChangeArrowheads="1" noChangeShapeType="1" noTextEdit="1"/>
+              </p:cNvSpPr>
+              <p:nvPr/>
+            </p:nvSpPr>
+            <p:spPr>
+              <a:xfrm>
+                <a:off x="2458236" y="640245"/>
+                <a:ext cx="144000" cy="184666"/>
+              </a:xfrm>
+              <a:prstGeom prst="rect">
+                <a:avLst/>
+              </a:prstGeom>
+              <a:blipFill rotWithShape="0">
+                <a:blip r:embed="rId11"/>
+                <a:stretch>
+                  <a:fillRect l="-4167" r="-4167"/>
+                </a:stretch>
+              </a:blipFill>
+            </p:spPr>
+            <p:txBody>
+              <a:bodyPr/>
+              <a:lstStyle/>
+              <a:p>
+                <a:r>
+                  <a:rPr lang="en-US">
+                    <a:noFill/>
+                  </a:rPr>
+                  <a:t> </a:t>
+                </a:r>
+              </a:p>
+            </p:txBody>
+          </p:sp>
+        </mc:Fallback>
+      </mc:AlternateContent>
+      <p:graphicFrame>
+        <p:nvGraphicFramePr>
+          <p:cNvPr id="26" name="Object 25"/>
+          <p:cNvGraphicFramePr>
+            <a:graphicFrameLocks noChangeAspect="1"/>
+          </p:cNvGraphicFramePr>
+          <p:nvPr>
+            <p:extLst>
+              <p:ext uri="{D42A27DB-BD31-4B8C-83A1-F6EECF244321}">
+                <p14:modId xmlns:p14="http://schemas.microsoft.com/office/powerpoint/2010/main" val="269455306"/>
+              </p:ext>
+            </p:extLst>
+          </p:nvPr>
+        </p:nvGraphicFramePr>
+        <p:xfrm>
+          <a:off x="2458236" y="5005486"/>
+          <a:ext cx="142875" cy="184150"/>
+        </p:xfrm>
+        <a:graphic>
+          <a:graphicData uri="http://schemas.openxmlformats.org/presentationml/2006/ole">
+            <mc:AlternateContent xmlns:mc="http://schemas.openxmlformats.org/markup-compatibility/2006">
+              <mc:Choice xmlns:v="urn:schemas-microsoft-com:vml" Requires="v">
+                <p:oleObj spid="_x0000_s1076" name="Equation" r:id="rId12" imgW="127000" imgH="165100" progId="Equation.3">
+                  <p:embed/>
+                </p:oleObj>
+              </mc:Choice>
+              <mc:Fallback>
+                <p:oleObj name="Equation" r:id="rId12" imgW="127000" imgH="165100" progId="Equation.3">
+                  <p:embed/>
+                  <p:pic>
+                    <p:nvPicPr>
+                      <p:cNvPr id="0" name=""/>
+                      <p:cNvPicPr/>
+                      <p:nvPr/>
+                    </p:nvPicPr>
+                    <p:blipFill>
+                      <a:blip r:embed="rId6"/>
+                      <a:stretch>
+                        <a:fillRect/>
+                      </a:stretch>
+                    </p:blipFill>
+                    <p:spPr>
+                      <a:xfrm>
+                        <a:off x="2458236" y="5005486"/>
+                        <a:ext cx="142875" cy="184150"/>
+                      </a:xfrm>
+                      <a:prstGeom prst="rect">
+                        <a:avLst/>
+                      </a:prstGeom>
+                    </p:spPr>
+                  </p:pic>
+                </p:oleObj>
+              </mc:Fallback>
+            </mc:AlternateContent>
+          </a:graphicData>
+        </a:graphic>
+      </p:graphicFrame>
+      <p:graphicFrame>
+        <p:nvGraphicFramePr>
+          <p:cNvPr id="28" name="Object 27"/>
+          <p:cNvGraphicFramePr>
+            <a:graphicFrameLocks noChangeAspect="1"/>
+          </p:cNvGraphicFramePr>
+          <p:nvPr>
+            <p:extLst>
+              <p:ext uri="{D42A27DB-BD31-4B8C-83A1-F6EECF244321}">
+                <p14:modId xmlns:p14="http://schemas.microsoft.com/office/powerpoint/2010/main" val="200747796"/>
+              </p:ext>
+            </p:extLst>
+          </p:nvPr>
+        </p:nvGraphicFramePr>
+        <p:xfrm>
+          <a:off x="2458236" y="6017741"/>
+          <a:ext cx="142875" cy="184150"/>
+        </p:xfrm>
+        <a:graphic>
+          <a:graphicData uri="http://schemas.openxmlformats.org/presentationml/2006/ole">
+            <mc:AlternateContent xmlns:mc="http://schemas.openxmlformats.org/markup-compatibility/2006">
+              <mc:Choice xmlns:v="urn:schemas-microsoft-com:vml" Requires="v">
+                <p:oleObj spid="_x0000_s1077" name="Equation" r:id="rId13" imgW="127000" imgH="165100" progId="Equation.3">
+                  <p:embed/>
+                </p:oleObj>
+              </mc:Choice>
+              <mc:Fallback>
+                <p:oleObj name="Equation" r:id="rId13" imgW="127000" imgH="165100" progId="Equation.3">
+                  <p:embed/>
+                  <p:pic>
+                    <p:nvPicPr>
+                      <p:cNvPr id="0" name=""/>
+                      <p:cNvPicPr/>
+                      <p:nvPr/>
+                    </p:nvPicPr>
+                    <p:blipFill>
+                      <a:blip r:embed="rId6"/>
+                      <a:stretch>
+                        <a:fillRect/>
+                      </a:stretch>
+                    </p:blipFill>
+                    <p:spPr>
+                      <a:xfrm>
+                        <a:off x="2458236" y="6017741"/>
+                        <a:ext cx="142875" cy="184150"/>
                       </a:xfrm>
                       <a:prstGeom prst="rect">
                         <a:avLst/>
